--- a/Azure/Azure_Networking_&_Automation.pptx
+++ b/Azure/Azure_Networking_&_Automation.pptx
@@ -307,7 +307,7 @@
           <a:p>
             <a:fld id="{52BC7A89-8329-4784-B9FF-929001A0192E}" type="datetimeFigureOut">
               <a:rPr lang="en-IN" smtClean="0"/>
-              <a:t>13-08-2022</a:t>
+              <a:t>23-08-2022</a:t>
             </a:fld>
             <a:endParaRPr lang="en-IN"/>
           </a:p>
@@ -507,7 +507,7 @@
           <a:p>
             <a:fld id="{52BC7A89-8329-4784-B9FF-929001A0192E}" type="datetimeFigureOut">
               <a:rPr lang="en-IN" smtClean="0"/>
-              <a:t>13-08-2022</a:t>
+              <a:t>23-08-2022</a:t>
             </a:fld>
             <a:endParaRPr lang="en-IN"/>
           </a:p>
@@ -717,7 +717,7 @@
           <a:p>
             <a:fld id="{52BC7A89-8329-4784-B9FF-929001A0192E}" type="datetimeFigureOut">
               <a:rPr lang="en-IN" smtClean="0"/>
-              <a:t>13-08-2022</a:t>
+              <a:t>23-08-2022</a:t>
             </a:fld>
             <a:endParaRPr lang="en-IN"/>
           </a:p>
@@ -917,7 +917,7 @@
           <a:p>
             <a:fld id="{52BC7A89-8329-4784-B9FF-929001A0192E}" type="datetimeFigureOut">
               <a:rPr lang="en-IN" smtClean="0"/>
-              <a:t>13-08-2022</a:t>
+              <a:t>23-08-2022</a:t>
             </a:fld>
             <a:endParaRPr lang="en-IN"/>
           </a:p>
@@ -1193,7 +1193,7 @@
           <a:p>
             <a:fld id="{52BC7A89-8329-4784-B9FF-929001A0192E}" type="datetimeFigureOut">
               <a:rPr lang="en-IN" smtClean="0"/>
-              <a:t>13-08-2022</a:t>
+              <a:t>23-08-2022</a:t>
             </a:fld>
             <a:endParaRPr lang="en-IN"/>
           </a:p>
@@ -1461,7 +1461,7 @@
           <a:p>
             <a:fld id="{52BC7A89-8329-4784-B9FF-929001A0192E}" type="datetimeFigureOut">
               <a:rPr lang="en-IN" smtClean="0"/>
-              <a:t>13-08-2022</a:t>
+              <a:t>23-08-2022</a:t>
             </a:fld>
             <a:endParaRPr lang="en-IN"/>
           </a:p>
@@ -1876,7 +1876,7 @@
           <a:p>
             <a:fld id="{52BC7A89-8329-4784-B9FF-929001A0192E}" type="datetimeFigureOut">
               <a:rPr lang="en-IN" smtClean="0"/>
-              <a:t>13-08-2022</a:t>
+              <a:t>23-08-2022</a:t>
             </a:fld>
             <a:endParaRPr lang="en-IN"/>
           </a:p>
@@ -2018,7 +2018,7 @@
           <a:p>
             <a:fld id="{52BC7A89-8329-4784-B9FF-929001A0192E}" type="datetimeFigureOut">
               <a:rPr lang="en-IN" smtClean="0"/>
-              <a:t>13-08-2022</a:t>
+              <a:t>23-08-2022</a:t>
             </a:fld>
             <a:endParaRPr lang="en-IN"/>
           </a:p>
@@ -2131,7 +2131,7 @@
           <a:p>
             <a:fld id="{52BC7A89-8329-4784-B9FF-929001A0192E}" type="datetimeFigureOut">
               <a:rPr lang="en-IN" smtClean="0"/>
-              <a:t>13-08-2022</a:t>
+              <a:t>23-08-2022</a:t>
             </a:fld>
             <a:endParaRPr lang="en-IN"/>
           </a:p>
@@ -2444,7 +2444,7 @@
           <a:p>
             <a:fld id="{52BC7A89-8329-4784-B9FF-929001A0192E}" type="datetimeFigureOut">
               <a:rPr lang="en-IN" smtClean="0"/>
-              <a:t>13-08-2022</a:t>
+              <a:t>23-08-2022</a:t>
             </a:fld>
             <a:endParaRPr lang="en-IN"/>
           </a:p>
@@ -2733,7 +2733,7 @@
           <a:p>
             <a:fld id="{52BC7A89-8329-4784-B9FF-929001A0192E}" type="datetimeFigureOut">
               <a:rPr lang="en-IN" smtClean="0"/>
-              <a:t>13-08-2022</a:t>
+              <a:t>23-08-2022</a:t>
             </a:fld>
             <a:endParaRPr lang="en-IN"/>
           </a:p>
@@ -2976,7 +2976,7 @@
           <a:p>
             <a:fld id="{52BC7A89-8329-4784-B9FF-929001A0192E}" type="datetimeFigureOut">
               <a:rPr lang="en-IN" smtClean="0"/>
-              <a:t>13-08-2022</a:t>
+              <a:t>23-08-2022</a:t>
             </a:fld>
             <a:endParaRPr lang="en-IN"/>
           </a:p>
